--- a/Презентація.pptx
+++ b/Презентація.pptx
@@ -5519,21 +5519,7 @@
                 <a:latin typeface="Times New Roman" panose="02020603050405020304" pitchFamily="18" charset="0"/>
                 <a:cs typeface="Times New Roman" panose="02020603050405020304" pitchFamily="18" charset="0"/>
               </a:rPr>
-              <a:t> </a:t>
-            </a:r>
-            <a:r>
-              <a:rPr lang="ru-RU" sz="2400" dirty="0" err="1">
-                <a:latin typeface="Times New Roman" panose="02020603050405020304" pitchFamily="18" charset="0"/>
-                <a:cs typeface="Times New Roman" panose="02020603050405020304" pitchFamily="18" charset="0"/>
-              </a:rPr>
-              <a:t>або</a:t>
-            </a:r>
-            <a:r>
-              <a:rPr lang="ru-RU" sz="2400" dirty="0">
-                <a:latin typeface="Times New Roman" panose="02020603050405020304" pitchFamily="18" charset="0"/>
-                <a:cs typeface="Times New Roman" panose="02020603050405020304" pitchFamily="18" charset="0"/>
-              </a:rPr>
-              <a:t> труп. </a:t>
+              <a:t>. </a:t>
             </a:r>
             <a:r>
               <a:rPr lang="ru-RU" sz="2400" dirty="0" err="1">
